--- a/Геймификация.pptx
+++ b/Геймификация.pptx
@@ -10,6 +10,13 @@
     <p:sldId id="258" r:id="rId4"/>
     <p:sldId id="259" r:id="rId5"/>
     <p:sldId id="260" r:id="rId6"/>
+    <p:sldId id="261" r:id="rId7"/>
+    <p:sldId id="262" r:id="rId8"/>
+    <p:sldId id="263" r:id="rId9"/>
+    <p:sldId id="264" r:id="rId10"/>
+    <p:sldId id="265" r:id="rId11"/>
+    <p:sldId id="266" r:id="rId12"/>
+    <p:sldId id="267" r:id="rId13"/>
   </p:sldIdLst>
   <p:sldSz cx="12192000" cy="6858000"/>
   <p:notesSz cx="6858000" cy="9144000"/>
@@ -3547,6 +3554,282 @@
 </p:sld>
 </file>
 
+<file path=ppt/slides/slide10.xml><?xml version="1.0" encoding="utf-8"?>
+<p:sld xmlns:a="http://schemas.openxmlformats.org/drawingml/2006/main" xmlns:r="http://schemas.openxmlformats.org/officeDocument/2006/relationships" xmlns:p="http://schemas.openxmlformats.org/presentationml/2006/main">
+  <p:cSld>
+    <p:spTree>
+      <p:nvGrpSpPr>
+        <p:cNvPr id="1" name=""/>
+        <p:cNvGrpSpPr/>
+        <p:nvPr/>
+      </p:nvGrpSpPr>
+      <p:grpSpPr>
+        <a:xfrm>
+          <a:off x="0" y="0"/>
+          <a:ext cx="0" cy="0"/>
+          <a:chOff x="0" y="0"/>
+          <a:chExt cx="0" cy="0"/>
+        </a:xfrm>
+      </p:grpSpPr>
+      <p:sp>
+        <p:nvSpPr>
+          <p:cNvPr id="2" name="Заголовок 1"/>
+          <p:cNvSpPr>
+            <a:spLocks noGrp="1"/>
+          </p:cNvSpPr>
+          <p:nvPr>
+            <p:ph type="title"/>
+          </p:nvPr>
+        </p:nvSpPr>
+        <p:spPr/>
+        <p:txBody>
+          <a:bodyPr/>
+          <a:lstStyle/>
+          <a:p>
+            <a:endParaRPr lang="ru-RU"/>
+          </a:p>
+        </p:txBody>
+      </p:sp>
+      <p:sp>
+        <p:nvSpPr>
+          <p:cNvPr id="3" name="Объект 2"/>
+          <p:cNvSpPr>
+            <a:spLocks noGrp="1"/>
+          </p:cNvSpPr>
+          <p:nvPr>
+            <p:ph idx="1"/>
+          </p:nvPr>
+        </p:nvSpPr>
+        <p:spPr/>
+        <p:txBody>
+          <a:bodyPr/>
+          <a:lstStyle/>
+          <a:p>
+            <a:endParaRPr lang="ru-RU"/>
+          </a:p>
+        </p:txBody>
+      </p:sp>
+      <p:pic>
+        <p:nvPicPr>
+          <p:cNvPr id="4" name="Рисунок 3"/>
+          <p:cNvPicPr>
+            <a:picLocks noChangeAspect="1"/>
+          </p:cNvPicPr>
+          <p:nvPr/>
+        </p:nvPicPr>
+        <p:blipFill>
+          <a:blip r:embed="rId2"/>
+          <a:stretch>
+            <a:fillRect/>
+          </a:stretch>
+        </p:blipFill>
+        <p:spPr>
+          <a:xfrm>
+            <a:off x="-86054" y="690901"/>
+            <a:ext cx="12278054" cy="5709069"/>
+          </a:xfrm>
+          <a:prstGeom prst="rect">
+            <a:avLst/>
+          </a:prstGeom>
+        </p:spPr>
+      </p:pic>
+    </p:spTree>
+    <p:extLst>
+      <p:ext uri="{BB962C8B-B14F-4D97-AF65-F5344CB8AC3E}">
+        <p14:creationId xmlns:p14="http://schemas.microsoft.com/office/powerpoint/2010/main" val="1018120052"/>
+      </p:ext>
+    </p:extLst>
+  </p:cSld>
+  <p:clrMapOvr>
+    <a:masterClrMapping/>
+  </p:clrMapOvr>
+</p:sld>
+</file>
+
+<file path=ppt/slides/slide11.xml><?xml version="1.0" encoding="utf-8"?>
+<p:sld xmlns:a="http://schemas.openxmlformats.org/drawingml/2006/main" xmlns:r="http://schemas.openxmlformats.org/officeDocument/2006/relationships" xmlns:p="http://schemas.openxmlformats.org/presentationml/2006/main">
+  <p:cSld>
+    <p:spTree>
+      <p:nvGrpSpPr>
+        <p:cNvPr id="1" name=""/>
+        <p:cNvGrpSpPr/>
+        <p:nvPr/>
+      </p:nvGrpSpPr>
+      <p:grpSpPr>
+        <a:xfrm>
+          <a:off x="0" y="0"/>
+          <a:ext cx="0" cy="0"/>
+          <a:chOff x="0" y="0"/>
+          <a:chExt cx="0" cy="0"/>
+        </a:xfrm>
+      </p:grpSpPr>
+      <p:sp>
+        <p:nvSpPr>
+          <p:cNvPr id="2" name="Заголовок 1"/>
+          <p:cNvSpPr>
+            <a:spLocks noGrp="1"/>
+          </p:cNvSpPr>
+          <p:nvPr>
+            <p:ph type="title"/>
+          </p:nvPr>
+        </p:nvSpPr>
+        <p:spPr/>
+        <p:txBody>
+          <a:bodyPr/>
+          <a:lstStyle/>
+          <a:p>
+            <a:endParaRPr lang="ru-RU"/>
+          </a:p>
+        </p:txBody>
+      </p:sp>
+      <p:sp>
+        <p:nvSpPr>
+          <p:cNvPr id="3" name="Объект 2"/>
+          <p:cNvSpPr>
+            <a:spLocks noGrp="1"/>
+          </p:cNvSpPr>
+          <p:nvPr>
+            <p:ph idx="1"/>
+          </p:nvPr>
+        </p:nvSpPr>
+        <p:spPr/>
+        <p:txBody>
+          <a:bodyPr/>
+          <a:lstStyle/>
+          <a:p>
+            <a:endParaRPr lang="ru-RU"/>
+          </a:p>
+        </p:txBody>
+      </p:sp>
+      <p:pic>
+        <p:nvPicPr>
+          <p:cNvPr id="4" name="Рисунок 3"/>
+          <p:cNvPicPr>
+            <a:picLocks noChangeAspect="1"/>
+          </p:cNvPicPr>
+          <p:nvPr/>
+        </p:nvPicPr>
+        <p:blipFill>
+          <a:blip r:embed="rId2"/>
+          <a:stretch>
+            <a:fillRect/>
+          </a:stretch>
+        </p:blipFill>
+        <p:spPr>
+          <a:xfrm>
+            <a:off x="-155035" y="641369"/>
+            <a:ext cx="12347035" cy="5720684"/>
+          </a:xfrm>
+          <a:prstGeom prst="rect">
+            <a:avLst/>
+          </a:prstGeom>
+        </p:spPr>
+      </p:pic>
+    </p:spTree>
+    <p:extLst>
+      <p:ext uri="{BB962C8B-B14F-4D97-AF65-F5344CB8AC3E}">
+        <p14:creationId xmlns:p14="http://schemas.microsoft.com/office/powerpoint/2010/main" val="3486480610"/>
+      </p:ext>
+    </p:extLst>
+  </p:cSld>
+  <p:clrMapOvr>
+    <a:masterClrMapping/>
+  </p:clrMapOvr>
+</p:sld>
+</file>
+
+<file path=ppt/slides/slide12.xml><?xml version="1.0" encoding="utf-8"?>
+<p:sld xmlns:a="http://schemas.openxmlformats.org/drawingml/2006/main" xmlns:r="http://schemas.openxmlformats.org/officeDocument/2006/relationships" xmlns:p="http://schemas.openxmlformats.org/presentationml/2006/main">
+  <p:cSld>
+    <p:spTree>
+      <p:nvGrpSpPr>
+        <p:cNvPr id="1" name=""/>
+        <p:cNvGrpSpPr/>
+        <p:nvPr/>
+      </p:nvGrpSpPr>
+      <p:grpSpPr>
+        <a:xfrm>
+          <a:off x="0" y="0"/>
+          <a:ext cx="0" cy="0"/>
+          <a:chOff x="0" y="0"/>
+          <a:chExt cx="0" cy="0"/>
+        </a:xfrm>
+      </p:grpSpPr>
+      <p:sp>
+        <p:nvSpPr>
+          <p:cNvPr id="2" name="Заголовок 1"/>
+          <p:cNvSpPr>
+            <a:spLocks noGrp="1"/>
+          </p:cNvSpPr>
+          <p:nvPr>
+            <p:ph type="title"/>
+          </p:nvPr>
+        </p:nvSpPr>
+        <p:spPr/>
+        <p:txBody>
+          <a:bodyPr/>
+          <a:lstStyle/>
+          <a:p>
+            <a:endParaRPr lang="ru-RU"/>
+          </a:p>
+        </p:txBody>
+      </p:sp>
+      <p:sp>
+        <p:nvSpPr>
+          <p:cNvPr id="3" name="Объект 2"/>
+          <p:cNvSpPr>
+            <a:spLocks noGrp="1"/>
+          </p:cNvSpPr>
+          <p:nvPr>
+            <p:ph idx="1"/>
+          </p:nvPr>
+        </p:nvSpPr>
+        <p:spPr/>
+        <p:txBody>
+          <a:bodyPr/>
+          <a:lstStyle/>
+          <a:p>
+            <a:endParaRPr lang="ru-RU"/>
+          </a:p>
+        </p:txBody>
+      </p:sp>
+      <p:pic>
+        <p:nvPicPr>
+          <p:cNvPr id="4" name="Рисунок 3"/>
+          <p:cNvPicPr>
+            <a:picLocks noChangeAspect="1"/>
+          </p:cNvPicPr>
+          <p:nvPr/>
+        </p:nvPicPr>
+        <p:blipFill>
+          <a:blip r:embed="rId2"/>
+          <a:stretch>
+            <a:fillRect/>
+          </a:stretch>
+        </p:blipFill>
+        <p:spPr>
+          <a:xfrm>
+            <a:off x="140640" y="854015"/>
+            <a:ext cx="11887379" cy="5551626"/>
+          </a:xfrm>
+          <a:prstGeom prst="rect">
+            <a:avLst/>
+          </a:prstGeom>
+        </p:spPr>
+      </p:pic>
+    </p:spTree>
+    <p:extLst>
+      <p:ext uri="{BB962C8B-B14F-4D97-AF65-F5344CB8AC3E}">
+        <p14:creationId xmlns:p14="http://schemas.microsoft.com/office/powerpoint/2010/main" val="318681182"/>
+      </p:ext>
+    </p:extLst>
+  </p:cSld>
+  <p:clrMapOvr>
+    <a:masterClrMapping/>
+  </p:clrMapOvr>
+</p:sld>
+</file>
+
 <file path=ppt/slides/slide2.xml><?xml version="1.0" encoding="utf-8"?>
 <p:sld xmlns:a="http://schemas.openxmlformats.org/drawingml/2006/main" xmlns:r="http://schemas.openxmlformats.org/officeDocument/2006/relationships" xmlns:p="http://schemas.openxmlformats.org/presentationml/2006/main">
   <p:cSld>
@@ -5392,6 +5675,374 @@
       </p:par>
     </p:tnLst>
   </p:timing>
+</p:sld>
+</file>
+
+<file path=ppt/slides/slide6.xml><?xml version="1.0" encoding="utf-8"?>
+<p:sld xmlns:a="http://schemas.openxmlformats.org/drawingml/2006/main" xmlns:r="http://schemas.openxmlformats.org/officeDocument/2006/relationships" xmlns:p="http://schemas.openxmlformats.org/presentationml/2006/main">
+  <p:cSld>
+    <p:spTree>
+      <p:nvGrpSpPr>
+        <p:cNvPr id="1" name=""/>
+        <p:cNvGrpSpPr/>
+        <p:nvPr/>
+      </p:nvGrpSpPr>
+      <p:grpSpPr>
+        <a:xfrm>
+          <a:off x="0" y="0"/>
+          <a:ext cx="0" cy="0"/>
+          <a:chOff x="0" y="0"/>
+          <a:chExt cx="0" cy="0"/>
+        </a:xfrm>
+      </p:grpSpPr>
+      <p:sp>
+        <p:nvSpPr>
+          <p:cNvPr id="2" name="Заголовок 1"/>
+          <p:cNvSpPr>
+            <a:spLocks noGrp="1"/>
+          </p:cNvSpPr>
+          <p:nvPr>
+            <p:ph type="title"/>
+          </p:nvPr>
+        </p:nvSpPr>
+        <p:spPr/>
+        <p:txBody>
+          <a:bodyPr/>
+          <a:lstStyle/>
+          <a:p>
+            <a:endParaRPr lang="ru-RU"/>
+          </a:p>
+        </p:txBody>
+      </p:sp>
+      <p:sp>
+        <p:nvSpPr>
+          <p:cNvPr id="3" name="Объект 2"/>
+          <p:cNvSpPr>
+            <a:spLocks noGrp="1"/>
+          </p:cNvSpPr>
+          <p:nvPr>
+            <p:ph idx="1"/>
+          </p:nvPr>
+        </p:nvSpPr>
+        <p:spPr/>
+        <p:txBody>
+          <a:bodyPr/>
+          <a:lstStyle/>
+          <a:p>
+            <a:endParaRPr lang="ru-RU"/>
+          </a:p>
+        </p:txBody>
+      </p:sp>
+      <p:pic>
+        <p:nvPicPr>
+          <p:cNvPr id="4" name="Рисунок 3"/>
+          <p:cNvPicPr>
+            <a:picLocks noChangeAspect="1"/>
+          </p:cNvPicPr>
+          <p:nvPr/>
+        </p:nvPicPr>
+        <p:blipFill>
+          <a:blip r:embed="rId2"/>
+          <a:stretch>
+            <a:fillRect/>
+          </a:stretch>
+        </p:blipFill>
+        <p:spPr>
+          <a:xfrm>
+            <a:off x="137156" y="897148"/>
+            <a:ext cx="11693691" cy="5430316"/>
+          </a:xfrm>
+          <a:prstGeom prst="rect">
+            <a:avLst/>
+          </a:prstGeom>
+        </p:spPr>
+      </p:pic>
+    </p:spTree>
+    <p:extLst>
+      <p:ext uri="{BB962C8B-B14F-4D97-AF65-F5344CB8AC3E}">
+        <p14:creationId xmlns:p14="http://schemas.microsoft.com/office/powerpoint/2010/main" val="3597747619"/>
+      </p:ext>
+    </p:extLst>
+  </p:cSld>
+  <p:clrMapOvr>
+    <a:masterClrMapping/>
+  </p:clrMapOvr>
+</p:sld>
+</file>
+
+<file path=ppt/slides/slide7.xml><?xml version="1.0" encoding="utf-8"?>
+<p:sld xmlns:a="http://schemas.openxmlformats.org/drawingml/2006/main" xmlns:r="http://schemas.openxmlformats.org/officeDocument/2006/relationships" xmlns:p="http://schemas.openxmlformats.org/presentationml/2006/main">
+  <p:cSld>
+    <p:spTree>
+      <p:nvGrpSpPr>
+        <p:cNvPr id="1" name=""/>
+        <p:cNvGrpSpPr/>
+        <p:nvPr/>
+      </p:nvGrpSpPr>
+      <p:grpSpPr>
+        <a:xfrm>
+          <a:off x="0" y="0"/>
+          <a:ext cx="0" cy="0"/>
+          <a:chOff x="0" y="0"/>
+          <a:chExt cx="0" cy="0"/>
+        </a:xfrm>
+      </p:grpSpPr>
+      <p:sp>
+        <p:nvSpPr>
+          <p:cNvPr id="2" name="Заголовок 1"/>
+          <p:cNvSpPr>
+            <a:spLocks noGrp="1"/>
+          </p:cNvSpPr>
+          <p:nvPr>
+            <p:ph type="title"/>
+          </p:nvPr>
+        </p:nvSpPr>
+        <p:spPr/>
+        <p:txBody>
+          <a:bodyPr/>
+          <a:lstStyle/>
+          <a:p>
+            <a:endParaRPr lang="ru-RU"/>
+          </a:p>
+        </p:txBody>
+      </p:sp>
+      <p:sp>
+        <p:nvSpPr>
+          <p:cNvPr id="3" name="Объект 2"/>
+          <p:cNvSpPr>
+            <a:spLocks noGrp="1"/>
+          </p:cNvSpPr>
+          <p:nvPr>
+            <p:ph idx="1"/>
+          </p:nvPr>
+        </p:nvSpPr>
+        <p:spPr/>
+        <p:txBody>
+          <a:bodyPr/>
+          <a:lstStyle/>
+          <a:p>
+            <a:endParaRPr lang="ru-RU"/>
+          </a:p>
+        </p:txBody>
+      </p:sp>
+      <p:pic>
+        <p:nvPicPr>
+          <p:cNvPr id="4" name="Рисунок 3"/>
+          <p:cNvPicPr>
+            <a:picLocks noChangeAspect="1"/>
+          </p:cNvPicPr>
+          <p:nvPr/>
+        </p:nvPicPr>
+        <p:blipFill>
+          <a:blip r:embed="rId2"/>
+          <a:stretch>
+            <a:fillRect/>
+          </a:stretch>
+        </p:blipFill>
+        <p:spPr>
+          <a:xfrm>
+            <a:off x="45044" y="767751"/>
+            <a:ext cx="12146956" cy="5638287"/>
+          </a:xfrm>
+          <a:prstGeom prst="rect">
+            <a:avLst/>
+          </a:prstGeom>
+        </p:spPr>
+      </p:pic>
+    </p:spTree>
+    <p:extLst>
+      <p:ext uri="{BB962C8B-B14F-4D97-AF65-F5344CB8AC3E}">
+        <p14:creationId xmlns:p14="http://schemas.microsoft.com/office/powerpoint/2010/main" val="2027668538"/>
+      </p:ext>
+    </p:extLst>
+  </p:cSld>
+  <p:clrMapOvr>
+    <a:masterClrMapping/>
+  </p:clrMapOvr>
+</p:sld>
+</file>
+
+<file path=ppt/slides/slide8.xml><?xml version="1.0" encoding="utf-8"?>
+<p:sld xmlns:a="http://schemas.openxmlformats.org/drawingml/2006/main" xmlns:r="http://schemas.openxmlformats.org/officeDocument/2006/relationships" xmlns:p="http://schemas.openxmlformats.org/presentationml/2006/main">
+  <p:cSld>
+    <p:spTree>
+      <p:nvGrpSpPr>
+        <p:cNvPr id="1" name=""/>
+        <p:cNvGrpSpPr/>
+        <p:nvPr/>
+      </p:nvGrpSpPr>
+      <p:grpSpPr>
+        <a:xfrm>
+          <a:off x="0" y="0"/>
+          <a:ext cx="0" cy="0"/>
+          <a:chOff x="0" y="0"/>
+          <a:chExt cx="0" cy="0"/>
+        </a:xfrm>
+      </p:grpSpPr>
+      <p:sp>
+        <p:nvSpPr>
+          <p:cNvPr id="2" name="Заголовок 1"/>
+          <p:cNvSpPr>
+            <a:spLocks noGrp="1"/>
+          </p:cNvSpPr>
+          <p:nvPr>
+            <p:ph type="title"/>
+          </p:nvPr>
+        </p:nvSpPr>
+        <p:spPr/>
+        <p:txBody>
+          <a:bodyPr/>
+          <a:lstStyle/>
+          <a:p>
+            <a:endParaRPr lang="ru-RU"/>
+          </a:p>
+        </p:txBody>
+      </p:sp>
+      <p:sp>
+        <p:nvSpPr>
+          <p:cNvPr id="3" name="Объект 2"/>
+          <p:cNvSpPr>
+            <a:spLocks noGrp="1"/>
+          </p:cNvSpPr>
+          <p:nvPr>
+            <p:ph idx="1"/>
+          </p:nvPr>
+        </p:nvSpPr>
+        <p:spPr/>
+        <p:txBody>
+          <a:bodyPr/>
+          <a:lstStyle/>
+          <a:p>
+            <a:endParaRPr lang="ru-RU"/>
+          </a:p>
+        </p:txBody>
+      </p:sp>
+      <p:pic>
+        <p:nvPicPr>
+          <p:cNvPr id="4" name="Рисунок 3"/>
+          <p:cNvPicPr>
+            <a:picLocks noChangeAspect="1"/>
+          </p:cNvPicPr>
+          <p:nvPr/>
+        </p:nvPicPr>
+        <p:blipFill>
+          <a:blip r:embed="rId2"/>
+          <a:stretch>
+            <a:fillRect/>
+          </a:stretch>
+        </p:blipFill>
+        <p:spPr>
+          <a:xfrm>
+            <a:off x="0" y="618167"/>
+            <a:ext cx="12120720" cy="5654632"/>
+          </a:xfrm>
+          <a:prstGeom prst="rect">
+            <a:avLst/>
+          </a:prstGeom>
+        </p:spPr>
+      </p:pic>
+    </p:spTree>
+    <p:extLst>
+      <p:ext uri="{BB962C8B-B14F-4D97-AF65-F5344CB8AC3E}">
+        <p14:creationId xmlns:p14="http://schemas.microsoft.com/office/powerpoint/2010/main" val="3834051554"/>
+      </p:ext>
+    </p:extLst>
+  </p:cSld>
+  <p:clrMapOvr>
+    <a:masterClrMapping/>
+  </p:clrMapOvr>
+</p:sld>
+</file>
+
+<file path=ppt/slides/slide9.xml><?xml version="1.0" encoding="utf-8"?>
+<p:sld xmlns:a="http://schemas.openxmlformats.org/drawingml/2006/main" xmlns:r="http://schemas.openxmlformats.org/officeDocument/2006/relationships" xmlns:p="http://schemas.openxmlformats.org/presentationml/2006/main">
+  <p:cSld>
+    <p:spTree>
+      <p:nvGrpSpPr>
+        <p:cNvPr id="1" name=""/>
+        <p:cNvGrpSpPr/>
+        <p:nvPr/>
+      </p:nvGrpSpPr>
+      <p:grpSpPr>
+        <a:xfrm>
+          <a:off x="0" y="0"/>
+          <a:ext cx="0" cy="0"/>
+          <a:chOff x="0" y="0"/>
+          <a:chExt cx="0" cy="0"/>
+        </a:xfrm>
+      </p:grpSpPr>
+      <p:sp>
+        <p:nvSpPr>
+          <p:cNvPr id="2" name="Заголовок 1"/>
+          <p:cNvSpPr>
+            <a:spLocks noGrp="1"/>
+          </p:cNvSpPr>
+          <p:nvPr>
+            <p:ph type="title"/>
+          </p:nvPr>
+        </p:nvSpPr>
+        <p:spPr/>
+        <p:txBody>
+          <a:bodyPr/>
+          <a:lstStyle/>
+          <a:p>
+            <a:endParaRPr lang="ru-RU"/>
+          </a:p>
+        </p:txBody>
+      </p:sp>
+      <p:sp>
+        <p:nvSpPr>
+          <p:cNvPr id="3" name="Объект 2"/>
+          <p:cNvSpPr>
+            <a:spLocks noGrp="1"/>
+          </p:cNvSpPr>
+          <p:nvPr>
+            <p:ph idx="1"/>
+          </p:nvPr>
+        </p:nvSpPr>
+        <p:spPr/>
+        <p:txBody>
+          <a:bodyPr/>
+          <a:lstStyle/>
+          <a:p>
+            <a:endParaRPr lang="ru-RU"/>
+          </a:p>
+        </p:txBody>
+      </p:sp>
+      <p:pic>
+        <p:nvPicPr>
+          <p:cNvPr id="4" name="Рисунок 3"/>
+          <p:cNvPicPr>
+            <a:picLocks noChangeAspect="1"/>
+          </p:cNvPicPr>
+          <p:nvPr/>
+        </p:nvPicPr>
+        <p:blipFill>
+          <a:blip r:embed="rId2"/>
+          <a:stretch>
+            <a:fillRect/>
+          </a:stretch>
+        </p:blipFill>
+        <p:spPr>
+          <a:xfrm>
+            <a:off x="208988" y="724619"/>
+            <a:ext cx="11806295" cy="5364233"/>
+          </a:xfrm>
+          <a:prstGeom prst="rect">
+            <a:avLst/>
+          </a:prstGeom>
+        </p:spPr>
+      </p:pic>
+    </p:spTree>
+    <p:extLst>
+      <p:ext uri="{BB962C8B-B14F-4D97-AF65-F5344CB8AC3E}">
+        <p14:creationId xmlns:p14="http://schemas.microsoft.com/office/powerpoint/2010/main" val="732022061"/>
+      </p:ext>
+    </p:extLst>
+  </p:cSld>
+  <p:clrMapOvr>
+    <a:masterClrMapping/>
+  </p:clrMapOvr>
 </p:sld>
 </file>
 
